--- a/Presentation.pptx
+++ b/Presentation.pptx
@@ -2,7 +2,7 @@
 <file path=ppt/presentation.xml><?xml version="1.0" encoding="utf-8"?>
 <p:presentation xmlns:a="http://schemas.openxmlformats.org/drawingml/2006/main" xmlns:r="http://schemas.openxmlformats.org/officeDocument/2006/relationships" xmlns:p="http://schemas.openxmlformats.org/presentationml/2006/main" saveSubsetFonts="1" autoCompressPictures="0">
   <p:sldMasterIdLst>
-    <p:sldMasterId id="2147483744" r:id="rId1"/>
+    <p:sldMasterId id="2147483798" r:id="rId1"/>
   </p:sldMasterIdLst>
   <p:sldIdLst>
     <p:sldId id="256" r:id="rId2"/>
@@ -149,6 +149,13 @@
         <p:blipFill>
           <a:blip r:embed="rId2">
             <a:alphaModFix amt="30000"/>
+            <a:duotone>
+              <a:prstClr val="black"/>
+              <a:schemeClr val="tx2">
+                <a:tint val="45000"/>
+                <a:satMod val="400000"/>
+              </a:schemeClr>
+            </a:duotone>
             <a:extLst>
               <a:ext uri="{28A0092B-C50C-407E-A947-70E740481C1C}">
                 <a14:useLocalDpi xmlns:a14="http://schemas.microsoft.com/office/drawing/2010/main" val="0"/>
@@ -171,7 +178,7 @@
           <a:noFill/>
           <a:extLst>
             <a:ext uri="{909E8E84-426E-40dd-AFC4-6F175D3DCCD1}">
-              <a14:hiddenFill xmlns:a14="http://schemas.microsoft.com/office/drawing/2010/main" xmlns="">
+              <a14:hiddenFill xmlns="" xmlns:a14="http://schemas.microsoft.com/office/drawing/2010/main">
                 <a:solidFill>
                   <a:srgbClr val="FFFFFF"/>
                 </a:solidFill>
@@ -199,9 +206,8 @@
                 <a:schemeClr val="tx2"/>
               </a:gs>
               <a:gs pos="100000">
-                <a:schemeClr val="bg2">
-                  <a:lumMod val="60000"/>
-                  <a:lumOff val="40000"/>
+                <a:schemeClr val="tx2">
+                  <a:lumMod val="50000"/>
                 </a:schemeClr>
               </a:gs>
             </a:gsLst>
@@ -231,7 +237,7 @@
             </a:ln>
             <a:extLst>
               <a:ext uri="{91240B29-F687-4f45-9708-019B960494DF}">
-                <a14:hiddenLine xmlns:a14="http://schemas.microsoft.com/office/drawing/2010/main" xmlns="" w="9525">
+                <a14:hiddenLine xmlns="" xmlns:a14="http://schemas.microsoft.com/office/drawing/2010/main" w="9525">
                   <a:solidFill>
                     <a:srgbClr val="000000"/>
                   </a:solidFill>
@@ -321,7 +327,7 @@
             </a:ln>
             <a:extLst>
               <a:ext uri="{91240B29-F687-4f45-9708-019B960494DF}">
-                <a14:hiddenLine xmlns:a14="http://schemas.microsoft.com/office/drawing/2010/main" xmlns="" w="9525">
+                <a14:hiddenLine xmlns="" xmlns:a14="http://schemas.microsoft.com/office/drawing/2010/main" w="9525">
                   <a:solidFill>
                     <a:srgbClr val="000000"/>
                   </a:solidFill>
@@ -411,7 +417,7 @@
             </a:ln>
             <a:extLst>
               <a:ext uri="{91240B29-F687-4f45-9708-019B960494DF}">
-                <a14:hiddenLine xmlns:a14="http://schemas.microsoft.com/office/drawing/2010/main" xmlns="" w="9525">
+                <a14:hiddenLine xmlns="" xmlns:a14="http://schemas.microsoft.com/office/drawing/2010/main" w="9525">
                   <a:solidFill>
                     <a:srgbClr val="000000"/>
                   </a:solidFill>
@@ -445,7 +451,7 @@
             </a:ln>
             <a:extLst>
               <a:ext uri="{91240B29-F687-4f45-9708-019B960494DF}">
-                <a14:hiddenLine xmlns:a14="http://schemas.microsoft.com/office/drawing/2010/main" xmlns="" w="9525">
+                <a14:hiddenLine xmlns="" xmlns:a14="http://schemas.microsoft.com/office/drawing/2010/main" w="9525">
                   <a:solidFill>
                     <a:srgbClr val="000000"/>
                   </a:solidFill>
@@ -535,7 +541,7 @@
             </a:ln>
             <a:extLst>
               <a:ext uri="{91240B29-F687-4f45-9708-019B960494DF}">
-                <a14:hiddenLine xmlns:a14="http://schemas.microsoft.com/office/drawing/2010/main" xmlns="" w="9525">
+                <a14:hiddenLine xmlns="" xmlns:a14="http://schemas.microsoft.com/office/drawing/2010/main" w="9525">
                   <a:solidFill>
                     <a:srgbClr val="000000"/>
                   </a:solidFill>
@@ -597,7 +603,7 @@
             </a:ln>
             <a:extLst>
               <a:ext uri="{91240B29-F687-4f45-9708-019B960494DF}">
-                <a14:hiddenLine xmlns:a14="http://schemas.microsoft.com/office/drawing/2010/main" xmlns="" w="9525">
+                <a14:hiddenLine xmlns="" xmlns:a14="http://schemas.microsoft.com/office/drawing/2010/main" w="9525">
                   <a:solidFill>
                     <a:srgbClr val="000000"/>
                   </a:solidFill>
@@ -659,7 +665,7 @@
             </a:ln>
             <a:extLst>
               <a:ext uri="{91240B29-F687-4f45-9708-019B960494DF}">
-                <a14:hiddenLine xmlns:a14="http://schemas.microsoft.com/office/drawing/2010/main" xmlns="" w="9525">
+                <a14:hiddenLine xmlns="" xmlns:a14="http://schemas.microsoft.com/office/drawing/2010/main" w="9525">
                   <a:solidFill>
                     <a:srgbClr val="000000"/>
                   </a:solidFill>
@@ -749,7 +755,7 @@
             </a:ln>
             <a:extLst>
               <a:ext uri="{91240B29-F687-4f45-9708-019B960494DF}">
-                <a14:hiddenLine xmlns:a14="http://schemas.microsoft.com/office/drawing/2010/main" xmlns="" w="9525">
+                <a14:hiddenLine xmlns="" xmlns:a14="http://schemas.microsoft.com/office/drawing/2010/main" w="9525">
                   <a:solidFill>
                     <a:srgbClr val="000000"/>
                   </a:solidFill>
@@ -811,7 +817,7 @@
             </a:ln>
             <a:extLst>
               <a:ext uri="{91240B29-F687-4f45-9708-019B960494DF}">
-                <a14:hiddenLine xmlns:a14="http://schemas.microsoft.com/office/drawing/2010/main" xmlns="" w="9525">
+                <a14:hiddenLine xmlns="" xmlns:a14="http://schemas.microsoft.com/office/drawing/2010/main" w="9525">
                   <a:solidFill>
                     <a:srgbClr val="000000"/>
                   </a:solidFill>
@@ -873,7 +879,7 @@
             </a:ln>
             <a:extLst>
               <a:ext uri="{91240B29-F687-4f45-9708-019B960494DF}">
-                <a14:hiddenLine xmlns:a14="http://schemas.microsoft.com/office/drawing/2010/main" xmlns="" w="9525">
+                <a14:hiddenLine xmlns="" xmlns:a14="http://schemas.microsoft.com/office/drawing/2010/main" w="9525">
                   <a:solidFill>
                     <a:srgbClr val="000000"/>
                   </a:solidFill>
@@ -963,7 +969,7 @@
             </a:ln>
             <a:extLst>
               <a:ext uri="{91240B29-F687-4f45-9708-019B960494DF}">
-                <a14:hiddenLine xmlns:a14="http://schemas.microsoft.com/office/drawing/2010/main" xmlns="" w="9525">
+                <a14:hiddenLine xmlns="" xmlns:a14="http://schemas.microsoft.com/office/drawing/2010/main" w="9525">
                   <a:solidFill>
                     <a:srgbClr val="000000"/>
                   </a:solidFill>
@@ -1053,7 +1059,7 @@
             </a:ln>
             <a:extLst>
               <a:ext uri="{91240B29-F687-4f45-9708-019B960494DF}">
-                <a14:hiddenLine xmlns:a14="http://schemas.microsoft.com/office/drawing/2010/main" xmlns="" w="9525">
+                <a14:hiddenLine xmlns="" xmlns:a14="http://schemas.microsoft.com/office/drawing/2010/main" w="9525">
                   <a:solidFill>
                     <a:srgbClr val="000000"/>
                   </a:solidFill>
@@ -1115,7 +1121,7 @@
             </a:ln>
             <a:extLst>
               <a:ext uri="{91240B29-F687-4f45-9708-019B960494DF}">
-                <a14:hiddenLine xmlns:a14="http://schemas.microsoft.com/office/drawing/2010/main" xmlns="" w="9525">
+                <a14:hiddenLine xmlns="" xmlns:a14="http://schemas.microsoft.com/office/drawing/2010/main" w="9525">
                   <a:solidFill>
                     <a:srgbClr val="000000"/>
                   </a:solidFill>
@@ -1225,7 +1231,7 @@
             </a:ln>
             <a:extLst>
               <a:ext uri="{91240B29-F687-4f45-9708-019B960494DF}">
-                <a14:hiddenLine xmlns:a14="http://schemas.microsoft.com/office/drawing/2010/main" xmlns="" w="9525">
+                <a14:hiddenLine xmlns="" xmlns:a14="http://schemas.microsoft.com/office/drawing/2010/main" w="9525">
                   <a:solidFill>
                     <a:srgbClr val="000000"/>
                   </a:solidFill>
@@ -1287,7 +1293,7 @@
             </a:ln>
             <a:extLst>
               <a:ext uri="{91240B29-F687-4f45-9708-019B960494DF}">
-                <a14:hiddenLine xmlns:a14="http://schemas.microsoft.com/office/drawing/2010/main" xmlns="" w="9525">
+                <a14:hiddenLine xmlns="" xmlns:a14="http://schemas.microsoft.com/office/drawing/2010/main" w="9525">
                   <a:solidFill>
                     <a:srgbClr val="000000"/>
                   </a:solidFill>
@@ -1377,7 +1383,7 @@
             </a:ln>
             <a:extLst>
               <a:ext uri="{91240B29-F687-4f45-9708-019B960494DF}">
-                <a14:hiddenLine xmlns:a14="http://schemas.microsoft.com/office/drawing/2010/main" xmlns="" w="9525">
+                <a14:hiddenLine xmlns="" xmlns:a14="http://schemas.microsoft.com/office/drawing/2010/main" w="9525">
                   <a:solidFill>
                     <a:srgbClr val="000000"/>
                   </a:solidFill>
@@ -1467,7 +1473,7 @@
             </a:ln>
             <a:extLst>
               <a:ext uri="{91240B29-F687-4f45-9708-019B960494DF}">
-                <a14:hiddenLine xmlns:a14="http://schemas.microsoft.com/office/drawing/2010/main" xmlns="" w="9525">
+                <a14:hiddenLine xmlns="" xmlns:a14="http://schemas.microsoft.com/office/drawing/2010/main" w="9525">
                   <a:solidFill>
                     <a:srgbClr val="000000"/>
                   </a:solidFill>
@@ -1529,7 +1535,7 @@
             </a:ln>
             <a:extLst>
               <a:ext uri="{91240B29-F687-4f45-9708-019B960494DF}">
-                <a14:hiddenLine xmlns:a14="http://schemas.microsoft.com/office/drawing/2010/main" xmlns="" w="9525">
+                <a14:hiddenLine xmlns="" xmlns:a14="http://schemas.microsoft.com/office/drawing/2010/main" w="9525">
                   <a:solidFill>
                     <a:srgbClr val="000000"/>
                   </a:solidFill>
@@ -1619,7 +1625,7 @@
             </a:ln>
             <a:extLst>
               <a:ext uri="{91240B29-F687-4f45-9708-019B960494DF}">
-                <a14:hiddenLine xmlns:a14="http://schemas.microsoft.com/office/drawing/2010/main" xmlns="" w="9525">
+                <a14:hiddenLine xmlns="" xmlns:a14="http://schemas.microsoft.com/office/drawing/2010/main" w="9525">
                   <a:solidFill>
                     <a:srgbClr val="000000"/>
                   </a:solidFill>
@@ -1709,7 +1715,7 @@
             </a:ln>
             <a:extLst>
               <a:ext uri="{91240B29-F687-4f45-9708-019B960494DF}">
-                <a14:hiddenLine xmlns:a14="http://schemas.microsoft.com/office/drawing/2010/main" xmlns="" w="9525">
+                <a14:hiddenLine xmlns="" xmlns:a14="http://schemas.microsoft.com/office/drawing/2010/main" w="9525">
                   <a:solidFill>
                     <a:srgbClr val="000000"/>
                   </a:solidFill>
@@ -1765,7 +1771,7 @@
             </a:ln>
             <a:extLst>
               <a:ext uri="{91240B29-F687-4f45-9708-019B960494DF}">
-                <a14:hiddenLine xmlns:a14="http://schemas.microsoft.com/office/drawing/2010/main" xmlns="" w="9525">
+                <a14:hiddenLine xmlns="" xmlns:a14="http://schemas.microsoft.com/office/drawing/2010/main" w="9525">
                   <a:solidFill>
                     <a:srgbClr val="000000"/>
                   </a:solidFill>
@@ -1855,7 +1861,7 @@
             </a:ln>
             <a:extLst>
               <a:ext uri="{91240B29-F687-4f45-9708-019B960494DF}">
-                <a14:hiddenLine xmlns:a14="http://schemas.microsoft.com/office/drawing/2010/main" xmlns="" w="9525">
+                <a14:hiddenLine xmlns="" xmlns:a14="http://schemas.microsoft.com/office/drawing/2010/main" w="9525">
                   <a:solidFill>
                     <a:srgbClr val="000000"/>
                   </a:solidFill>
@@ -1911,7 +1917,7 @@
             </a:ln>
             <a:extLst>
               <a:ext uri="{91240B29-F687-4f45-9708-019B960494DF}">
-                <a14:hiddenLine xmlns:a14="http://schemas.microsoft.com/office/drawing/2010/main" xmlns="" w="9525">
+                <a14:hiddenLine xmlns="" xmlns:a14="http://schemas.microsoft.com/office/drawing/2010/main" w="9525">
                   <a:solidFill>
                     <a:srgbClr val="000000"/>
                   </a:solidFill>
@@ -2001,7 +2007,7 @@
             </a:ln>
             <a:extLst>
               <a:ext uri="{91240B29-F687-4f45-9708-019B960494DF}">
-                <a14:hiddenLine xmlns:a14="http://schemas.microsoft.com/office/drawing/2010/main" xmlns="" w="9525">
+                <a14:hiddenLine xmlns="" xmlns:a14="http://schemas.microsoft.com/office/drawing/2010/main" w="9525">
                   <a:solidFill>
                     <a:srgbClr val="000000"/>
                   </a:solidFill>
@@ -2069,7 +2075,7 @@
             </a:ln>
             <a:extLst>
               <a:ext uri="{91240B29-F687-4f45-9708-019B960494DF}">
-                <a14:hiddenLine xmlns:a14="http://schemas.microsoft.com/office/drawing/2010/main" xmlns="" w="9525">
+                <a14:hiddenLine xmlns="" xmlns:a14="http://schemas.microsoft.com/office/drawing/2010/main" w="9525">
                   <a:solidFill>
                     <a:srgbClr val="000000"/>
                   </a:solidFill>
@@ -2159,7 +2165,7 @@
             </a:ln>
             <a:extLst>
               <a:ext uri="{91240B29-F687-4f45-9708-019B960494DF}">
-                <a14:hiddenLine xmlns:a14="http://schemas.microsoft.com/office/drawing/2010/main" xmlns="" w="9525">
+                <a14:hiddenLine xmlns="" xmlns:a14="http://schemas.microsoft.com/office/drawing/2010/main" w="9525">
                   <a:solidFill>
                     <a:srgbClr val="000000"/>
                   </a:solidFill>
@@ -2227,7 +2233,7 @@
             </a:ln>
             <a:extLst>
               <a:ext uri="{91240B29-F687-4f45-9708-019B960494DF}">
-                <a14:hiddenLine xmlns:a14="http://schemas.microsoft.com/office/drawing/2010/main" xmlns="" w="9525">
+                <a14:hiddenLine xmlns="" xmlns:a14="http://schemas.microsoft.com/office/drawing/2010/main" w="9525">
                   <a:solidFill>
                     <a:srgbClr val="000000"/>
                   </a:solidFill>
@@ -2317,7 +2323,7 @@
             </a:ln>
             <a:extLst>
               <a:ext uri="{91240B29-F687-4f45-9708-019B960494DF}">
-                <a14:hiddenLine xmlns:a14="http://schemas.microsoft.com/office/drawing/2010/main" xmlns="" w="9525">
+                <a14:hiddenLine xmlns="" xmlns:a14="http://schemas.microsoft.com/office/drawing/2010/main" w="9525">
                   <a:solidFill>
                     <a:srgbClr val="000000"/>
                   </a:solidFill>
@@ -2351,7 +2357,7 @@
             </a:ln>
             <a:extLst>
               <a:ext uri="{91240B29-F687-4f45-9708-019B960494DF}">
-                <a14:hiddenLine xmlns:a14="http://schemas.microsoft.com/office/drawing/2010/main" xmlns="" w="9525">
+                <a14:hiddenLine xmlns="" xmlns:a14="http://schemas.microsoft.com/office/drawing/2010/main" w="9525">
                   <a:solidFill>
                     <a:srgbClr val="000000"/>
                   </a:solidFill>
@@ -2441,7 +2447,7 @@
             </a:ln>
             <a:extLst>
               <a:ext uri="{91240B29-F687-4f45-9708-019B960494DF}">
-                <a14:hiddenLine xmlns:a14="http://schemas.microsoft.com/office/drawing/2010/main" xmlns="" w="9525">
+                <a14:hiddenLine xmlns="" xmlns:a14="http://schemas.microsoft.com/office/drawing/2010/main" w="9525">
                   <a:solidFill>
                     <a:srgbClr val="000000"/>
                   </a:solidFill>
@@ -2503,7 +2509,7 @@
             </a:ln>
             <a:extLst>
               <a:ext uri="{91240B29-F687-4f45-9708-019B960494DF}">
-                <a14:hiddenLine xmlns:a14="http://schemas.microsoft.com/office/drawing/2010/main" xmlns="" w="9525">
+                <a14:hiddenLine xmlns="" xmlns:a14="http://schemas.microsoft.com/office/drawing/2010/main" w="9525">
                   <a:solidFill>
                     <a:srgbClr val="000000"/>
                   </a:solidFill>
@@ -2565,7 +2571,7 @@
             </a:ln>
             <a:extLst>
               <a:ext uri="{91240B29-F687-4f45-9708-019B960494DF}">
-                <a14:hiddenLine xmlns:a14="http://schemas.microsoft.com/office/drawing/2010/main" xmlns="" w="9525">
+                <a14:hiddenLine xmlns="" xmlns:a14="http://schemas.microsoft.com/office/drawing/2010/main" w="9525">
                   <a:solidFill>
                     <a:srgbClr val="000000"/>
                   </a:solidFill>
@@ -2655,7 +2661,7 @@
             </a:ln>
             <a:extLst>
               <a:ext uri="{91240B29-F687-4f45-9708-019B960494DF}">
-                <a14:hiddenLine xmlns:a14="http://schemas.microsoft.com/office/drawing/2010/main" xmlns="" w="9525">
+                <a14:hiddenLine xmlns="" xmlns:a14="http://schemas.microsoft.com/office/drawing/2010/main" w="9525">
                   <a:solidFill>
                     <a:srgbClr val="000000"/>
                   </a:solidFill>
@@ -2723,7 +2729,7 @@
             </a:ln>
             <a:extLst>
               <a:ext uri="{91240B29-F687-4f45-9708-019B960494DF}">
-                <a14:hiddenLine xmlns:a14="http://schemas.microsoft.com/office/drawing/2010/main" xmlns="" w="9525">
+                <a14:hiddenLine xmlns="" xmlns:a14="http://schemas.microsoft.com/office/drawing/2010/main" w="9525">
                   <a:solidFill>
                     <a:srgbClr val="000000"/>
                   </a:solidFill>
@@ -2785,7 +2791,7 @@
             </a:ln>
             <a:extLst>
               <a:ext uri="{91240B29-F687-4f45-9708-019B960494DF}">
-                <a14:hiddenLine xmlns:a14="http://schemas.microsoft.com/office/drawing/2010/main" xmlns="" w="9525">
+                <a14:hiddenLine xmlns="" xmlns:a14="http://schemas.microsoft.com/office/drawing/2010/main" w="9525">
                   <a:solidFill>
                     <a:srgbClr val="000000"/>
                   </a:solidFill>
@@ -2875,7 +2881,7 @@
             </a:ln>
             <a:extLst>
               <a:ext uri="{91240B29-F687-4f45-9708-019B960494DF}">
-                <a14:hiddenLine xmlns:a14="http://schemas.microsoft.com/office/drawing/2010/main" xmlns="" w="9525">
+                <a14:hiddenLine xmlns="" xmlns:a14="http://schemas.microsoft.com/office/drawing/2010/main" w="9525">
                   <a:solidFill>
                     <a:srgbClr val="000000"/>
                   </a:solidFill>
@@ -2937,7 +2943,7 @@
             </a:ln>
             <a:extLst>
               <a:ext uri="{91240B29-F687-4f45-9708-019B960494DF}">
-                <a14:hiddenLine xmlns:a14="http://schemas.microsoft.com/office/drawing/2010/main" xmlns="" w="9525">
+                <a14:hiddenLine xmlns="" xmlns:a14="http://schemas.microsoft.com/office/drawing/2010/main" w="9525">
                   <a:solidFill>
                     <a:srgbClr val="000000"/>
                   </a:solidFill>
@@ -3027,7 +3033,7 @@
             </a:ln>
             <a:extLst>
               <a:ext uri="{91240B29-F687-4f45-9708-019B960494DF}">
-                <a14:hiddenLine xmlns:a14="http://schemas.microsoft.com/office/drawing/2010/main" xmlns="" w="9525">
+                <a14:hiddenLine xmlns="" xmlns:a14="http://schemas.microsoft.com/office/drawing/2010/main" w="9525">
                   <a:solidFill>
                     <a:srgbClr val="000000"/>
                   </a:solidFill>
@@ -3089,7 +3095,7 @@
             </a:ln>
             <a:extLst>
               <a:ext uri="{91240B29-F687-4f45-9708-019B960494DF}">
-                <a14:hiddenLine xmlns:a14="http://schemas.microsoft.com/office/drawing/2010/main" xmlns="" w="9525">
+                <a14:hiddenLine xmlns="" xmlns:a14="http://schemas.microsoft.com/office/drawing/2010/main" w="9525">
                   <a:solidFill>
                     <a:srgbClr val="000000"/>
                   </a:solidFill>
@@ -3179,7 +3185,7 @@
             </a:ln>
             <a:extLst>
               <a:ext uri="{91240B29-F687-4f45-9708-019B960494DF}">
-                <a14:hiddenLine xmlns:a14="http://schemas.microsoft.com/office/drawing/2010/main" xmlns="" w="9525">
+                <a14:hiddenLine xmlns="" xmlns:a14="http://schemas.microsoft.com/office/drawing/2010/main" w="9525">
                   <a:solidFill>
                     <a:srgbClr val="000000"/>
                   </a:solidFill>
@@ -3213,7 +3219,7 @@
             </a:ln>
             <a:extLst>
               <a:ext uri="{91240B29-F687-4f45-9708-019B960494DF}">
-                <a14:hiddenLine xmlns:a14="http://schemas.microsoft.com/office/drawing/2010/main" xmlns="" w="9525">
+                <a14:hiddenLine xmlns="" xmlns:a14="http://schemas.microsoft.com/office/drawing/2010/main" w="9525">
                   <a:solidFill>
                     <a:srgbClr val="000000"/>
                   </a:solidFill>
@@ -3278,7 +3284,7 @@
             </a:ln>
             <a:extLst>
               <a:ext uri="{91240B29-F687-4f45-9708-019B960494DF}">
-                <a14:hiddenLine xmlns:a14="http://schemas.microsoft.com/office/drawing/2010/main" xmlns="" w="9525">
+                <a14:hiddenLine xmlns="" xmlns:a14="http://schemas.microsoft.com/office/drawing/2010/main" w="9525">
                   <a:solidFill>
                     <a:srgbClr val="000000"/>
                   </a:solidFill>
@@ -3368,7 +3374,7 @@
             </a:ln>
             <a:extLst>
               <a:ext uri="{91240B29-F687-4f45-9708-019B960494DF}">
-                <a14:hiddenLine xmlns:a14="http://schemas.microsoft.com/office/drawing/2010/main" xmlns="" w="9525">
+                <a14:hiddenLine xmlns="" xmlns:a14="http://schemas.microsoft.com/office/drawing/2010/main" w="9525">
                   <a:solidFill>
                     <a:srgbClr val="000000"/>
                   </a:solidFill>
@@ -3430,7 +3436,7 @@
             </a:ln>
             <a:extLst>
               <a:ext uri="{91240B29-F687-4f45-9708-019B960494DF}">
-                <a14:hiddenLine xmlns:a14="http://schemas.microsoft.com/office/drawing/2010/main" xmlns="" w="9525">
+                <a14:hiddenLine xmlns="" xmlns:a14="http://schemas.microsoft.com/office/drawing/2010/main" w="9525">
                   <a:solidFill>
                     <a:srgbClr val="000000"/>
                   </a:solidFill>
@@ -3520,7 +3526,7 @@
             </a:ln>
             <a:extLst>
               <a:ext uri="{91240B29-F687-4f45-9708-019B960494DF}">
-                <a14:hiddenLine xmlns:a14="http://schemas.microsoft.com/office/drawing/2010/main" xmlns="" w="9525">
+                <a14:hiddenLine xmlns="" xmlns:a14="http://schemas.microsoft.com/office/drawing/2010/main" w="9525">
                   <a:solidFill>
                     <a:srgbClr val="000000"/>
                   </a:solidFill>
@@ -3610,7 +3616,7 @@
             </a:ln>
             <a:extLst>
               <a:ext uri="{91240B29-F687-4f45-9708-019B960494DF}">
-                <a14:hiddenLine xmlns:a14="http://schemas.microsoft.com/office/drawing/2010/main" xmlns="" w="9525">
+                <a14:hiddenLine xmlns="" xmlns:a14="http://schemas.microsoft.com/office/drawing/2010/main" w="9525">
                   <a:solidFill>
                     <a:srgbClr val="000000"/>
                   </a:solidFill>
@@ -3675,7 +3681,7 @@
             </a:ln>
             <a:extLst>
               <a:ext uri="{91240B29-F687-4f45-9708-019B960494DF}">
-                <a14:hiddenLine xmlns:a14="http://schemas.microsoft.com/office/drawing/2010/main" xmlns="" w="9525">
+                <a14:hiddenLine xmlns="" xmlns:a14="http://schemas.microsoft.com/office/drawing/2010/main" w="9525">
                   <a:solidFill>
                     <a:srgbClr val="000000"/>
                   </a:solidFill>
@@ -3737,7 +3743,7 @@
             </a:ln>
             <a:extLst>
               <a:ext uri="{91240B29-F687-4f45-9708-019B960494DF}">
-                <a14:hiddenLine xmlns:a14="http://schemas.microsoft.com/office/drawing/2010/main" xmlns="" w="9525">
+                <a14:hiddenLine xmlns="" xmlns:a14="http://schemas.microsoft.com/office/drawing/2010/main" w="9525">
                   <a:solidFill>
                     <a:srgbClr val="000000"/>
                   </a:solidFill>
@@ -3827,7 +3833,7 @@
             </a:ln>
             <a:extLst>
               <a:ext uri="{91240B29-F687-4f45-9708-019B960494DF}">
-                <a14:hiddenLine xmlns:a14="http://schemas.microsoft.com/office/drawing/2010/main" xmlns="" w="9525">
+                <a14:hiddenLine xmlns="" xmlns:a14="http://schemas.microsoft.com/office/drawing/2010/main" w="9525">
                   <a:solidFill>
                     <a:srgbClr val="000000"/>
                   </a:solidFill>
@@ -3917,7 +3923,7 @@
             </a:ln>
             <a:extLst>
               <a:ext uri="{91240B29-F687-4f45-9708-019B960494DF}">
-                <a14:hiddenLine xmlns:a14="http://schemas.microsoft.com/office/drawing/2010/main" xmlns="" w="9525">
+                <a14:hiddenLine xmlns="" xmlns:a14="http://schemas.microsoft.com/office/drawing/2010/main" w="9525">
                   <a:solidFill>
                     <a:srgbClr val="000000"/>
                   </a:solidFill>
@@ -3979,7 +3985,7 @@
             </a:ln>
             <a:extLst>
               <a:ext uri="{91240B29-F687-4f45-9708-019B960494DF}">
-                <a14:hiddenLine xmlns:a14="http://schemas.microsoft.com/office/drawing/2010/main" xmlns="" w="9525">
+                <a14:hiddenLine xmlns="" xmlns:a14="http://schemas.microsoft.com/office/drawing/2010/main" w="9525">
                   <a:solidFill>
                     <a:srgbClr val="000000"/>
                   </a:solidFill>
@@ -4099,7 +4105,7 @@
             </a:ln>
             <a:extLst>
               <a:ext uri="{91240B29-F687-4f45-9708-019B960494DF}">
-                <a14:hiddenLine xmlns:a14="http://schemas.microsoft.com/office/drawing/2010/main" xmlns="" w="9525">
+                <a14:hiddenLine xmlns="" xmlns:a14="http://schemas.microsoft.com/office/drawing/2010/main" w="9525">
                   <a:solidFill>
                     <a:srgbClr val="000000"/>
                   </a:solidFill>
@@ -4167,7 +4173,7 @@
             </a:ln>
             <a:extLst>
               <a:ext uri="{91240B29-F687-4f45-9708-019B960494DF}">
-                <a14:hiddenLine xmlns:a14="http://schemas.microsoft.com/office/drawing/2010/main" xmlns="" w="9525">
+                <a14:hiddenLine xmlns="" xmlns:a14="http://schemas.microsoft.com/office/drawing/2010/main" w="9525">
                   <a:solidFill>
                     <a:srgbClr val="000000"/>
                   </a:solidFill>
@@ -4257,7 +4263,7 @@
             </a:ln>
             <a:extLst>
               <a:ext uri="{91240B29-F687-4f45-9708-019B960494DF}">
-                <a14:hiddenLine xmlns:a14="http://schemas.microsoft.com/office/drawing/2010/main" xmlns="" w="9525">
+                <a14:hiddenLine xmlns="" xmlns:a14="http://schemas.microsoft.com/office/drawing/2010/main" w="9525">
                   <a:solidFill>
                     <a:srgbClr val="000000"/>
                   </a:solidFill>
@@ -4458,7 +4464,7 @@
     </p:spTree>
     <p:extLst>
       <p:ext uri="{BB962C8B-B14F-4D97-AF65-F5344CB8AC3E}">
-        <p14:creationId xmlns:p14="http://schemas.microsoft.com/office/powerpoint/2010/main" val="363078036"/>
+        <p14:creationId xmlns:p14="http://schemas.microsoft.com/office/powerpoint/2010/main" val="2429545083"/>
       </p:ext>
     </p:extLst>
   </p:cSld>
@@ -4715,7 +4721,7 @@
     </p:spTree>
     <p:extLst>
       <p:ext uri="{BB962C8B-B14F-4D97-AF65-F5344CB8AC3E}">
-        <p14:creationId xmlns:p14="http://schemas.microsoft.com/office/powerpoint/2010/main" val="3484389593"/>
+        <p14:creationId xmlns:p14="http://schemas.microsoft.com/office/powerpoint/2010/main" val="332654558"/>
       </p:ext>
     </p:extLst>
   </p:cSld>
@@ -4911,7 +4917,7 @@
     </p:spTree>
     <p:extLst>
       <p:ext uri="{BB962C8B-B14F-4D97-AF65-F5344CB8AC3E}">
-        <p14:creationId xmlns:p14="http://schemas.microsoft.com/office/powerpoint/2010/main" val="832945045"/>
+        <p14:creationId xmlns:p14="http://schemas.microsoft.com/office/powerpoint/2010/main" val="1747964584"/>
       </p:ext>
     </p:extLst>
   </p:cSld>
@@ -5412,7 +5418,7 @@
     </p:spTree>
     <p:extLst>
       <p:ext uri="{BB962C8B-B14F-4D97-AF65-F5344CB8AC3E}">
-        <p14:creationId xmlns:p14="http://schemas.microsoft.com/office/powerpoint/2010/main" val="3994435585"/>
+        <p14:creationId xmlns:p14="http://schemas.microsoft.com/office/powerpoint/2010/main" val="2483687843"/>
       </p:ext>
     </p:extLst>
   </p:cSld>
@@ -5608,7 +5614,7 @@
     </p:spTree>
     <p:extLst>
       <p:ext uri="{BB962C8B-B14F-4D97-AF65-F5344CB8AC3E}">
-        <p14:creationId xmlns:p14="http://schemas.microsoft.com/office/powerpoint/2010/main" val="3634874782"/>
+        <p14:creationId xmlns:p14="http://schemas.microsoft.com/office/powerpoint/2010/main" val="3234977762"/>
       </p:ext>
     </p:extLst>
   </p:cSld>
@@ -6154,7 +6160,7 @@
     </p:spTree>
     <p:extLst>
       <p:ext uri="{BB962C8B-B14F-4D97-AF65-F5344CB8AC3E}">
-        <p14:creationId xmlns:p14="http://schemas.microsoft.com/office/powerpoint/2010/main" val="1513694086"/>
+        <p14:creationId xmlns:p14="http://schemas.microsoft.com/office/powerpoint/2010/main" val="1920886135"/>
       </p:ext>
     </p:extLst>
   </p:cSld>
@@ -6874,7 +6880,7 @@
     </p:spTree>
     <p:extLst>
       <p:ext uri="{BB962C8B-B14F-4D97-AF65-F5344CB8AC3E}">
-        <p14:creationId xmlns:p14="http://schemas.microsoft.com/office/powerpoint/2010/main" val="3699519032"/>
+        <p14:creationId xmlns:p14="http://schemas.microsoft.com/office/powerpoint/2010/main" val="2026718790"/>
       </p:ext>
     </p:extLst>
   </p:cSld>
@@ -7044,7 +7050,7 @@
     </p:spTree>
     <p:extLst>
       <p:ext uri="{BB962C8B-B14F-4D97-AF65-F5344CB8AC3E}">
-        <p14:creationId xmlns:p14="http://schemas.microsoft.com/office/powerpoint/2010/main" val="2640024081"/>
+        <p14:creationId xmlns:p14="http://schemas.microsoft.com/office/powerpoint/2010/main" val="2882556012"/>
       </p:ext>
     </p:extLst>
   </p:cSld>
@@ -7224,7 +7230,7 @@
     </p:spTree>
     <p:extLst>
       <p:ext uri="{BB962C8B-B14F-4D97-AF65-F5344CB8AC3E}">
-        <p14:creationId xmlns:p14="http://schemas.microsoft.com/office/powerpoint/2010/main" val="3642695989"/>
+        <p14:creationId xmlns:p14="http://schemas.microsoft.com/office/powerpoint/2010/main" val="2025852066"/>
       </p:ext>
     </p:extLst>
   </p:cSld>
@@ -7394,7 +7400,7 @@
     </p:spTree>
     <p:extLst>
       <p:ext uri="{BB962C8B-B14F-4D97-AF65-F5344CB8AC3E}">
-        <p14:creationId xmlns:p14="http://schemas.microsoft.com/office/powerpoint/2010/main" val="446621126"/>
+        <p14:creationId xmlns:p14="http://schemas.microsoft.com/office/powerpoint/2010/main" val="3928238412"/>
       </p:ext>
     </p:extLst>
   </p:cSld>
@@ -7644,7 +7650,7 @@
     </p:spTree>
     <p:extLst>
       <p:ext uri="{BB962C8B-B14F-4D97-AF65-F5344CB8AC3E}">
-        <p14:creationId xmlns:p14="http://schemas.microsoft.com/office/powerpoint/2010/main" val="2471877382"/>
+        <p14:creationId xmlns:p14="http://schemas.microsoft.com/office/powerpoint/2010/main" val="2161884805"/>
       </p:ext>
     </p:extLst>
   </p:cSld>
@@ -7876,7 +7882,7 @@
     </p:spTree>
     <p:extLst>
       <p:ext uri="{BB962C8B-B14F-4D97-AF65-F5344CB8AC3E}">
-        <p14:creationId xmlns:p14="http://schemas.microsoft.com/office/powerpoint/2010/main" val="6527346"/>
+        <p14:creationId xmlns:p14="http://schemas.microsoft.com/office/powerpoint/2010/main" val="390614191"/>
       </p:ext>
     </p:extLst>
   </p:cSld>
@@ -8257,7 +8263,7 @@
     </p:spTree>
     <p:extLst>
       <p:ext uri="{BB962C8B-B14F-4D97-AF65-F5344CB8AC3E}">
-        <p14:creationId xmlns:p14="http://schemas.microsoft.com/office/powerpoint/2010/main" val="3397982118"/>
+        <p14:creationId xmlns:p14="http://schemas.microsoft.com/office/powerpoint/2010/main" val="2463786134"/>
       </p:ext>
     </p:extLst>
   </p:cSld>
@@ -8375,7 +8381,7 @@
     </p:spTree>
     <p:extLst>
       <p:ext uri="{BB962C8B-B14F-4D97-AF65-F5344CB8AC3E}">
-        <p14:creationId xmlns:p14="http://schemas.microsoft.com/office/powerpoint/2010/main" val="3709211829"/>
+        <p14:creationId xmlns:p14="http://schemas.microsoft.com/office/powerpoint/2010/main" val="4242218565"/>
       </p:ext>
     </p:extLst>
   </p:cSld>
@@ -8470,7 +8476,7 @@
     </p:spTree>
     <p:extLst>
       <p:ext uri="{BB962C8B-B14F-4D97-AF65-F5344CB8AC3E}">
-        <p14:creationId xmlns:p14="http://schemas.microsoft.com/office/powerpoint/2010/main" val="2734458445"/>
+        <p14:creationId xmlns:p14="http://schemas.microsoft.com/office/powerpoint/2010/main" val="2935596199"/>
       </p:ext>
     </p:extLst>
   </p:cSld>
@@ -8719,7 +8725,7 @@
     </p:spTree>
     <p:extLst>
       <p:ext uri="{BB962C8B-B14F-4D97-AF65-F5344CB8AC3E}">
-        <p14:creationId xmlns:p14="http://schemas.microsoft.com/office/powerpoint/2010/main" val="676023992"/>
+        <p14:creationId xmlns:p14="http://schemas.microsoft.com/office/powerpoint/2010/main" val="2826826191"/>
       </p:ext>
     </p:extLst>
   </p:cSld>
@@ -8999,7 +9005,7 @@
     </p:spTree>
     <p:extLst>
       <p:ext uri="{BB962C8B-B14F-4D97-AF65-F5344CB8AC3E}">
-        <p14:creationId xmlns:p14="http://schemas.microsoft.com/office/powerpoint/2010/main" val="2911449592"/>
+        <p14:creationId xmlns:p14="http://schemas.microsoft.com/office/powerpoint/2010/main" val="3959889448"/>
       </p:ext>
     </p:extLst>
   </p:cSld>
@@ -9042,6 +9048,13 @@
         <p:blipFill>
           <a:blip r:embed="rId19">
             <a:alphaModFix amt="30000"/>
+            <a:duotone>
+              <a:prstClr val="black"/>
+              <a:schemeClr val="tx2">
+                <a:tint val="45000"/>
+                <a:satMod val="400000"/>
+              </a:schemeClr>
+            </a:duotone>
             <a:extLst>
               <a:ext uri="{28A0092B-C50C-407E-A947-70E740481C1C}">
                 <a14:useLocalDpi xmlns:a14="http://schemas.microsoft.com/office/drawing/2010/main" val="0"/>
@@ -9064,7 +9077,7 @@
           <a:noFill/>
           <a:extLst>
             <a:ext uri="{909E8E84-426E-40dd-AFC4-6F175D3DCCD1}">
-              <a14:hiddenFill xmlns:a14="http://schemas.microsoft.com/office/drawing/2010/main" xmlns="">
+              <a14:hiddenFill xmlns="" xmlns:a14="http://schemas.microsoft.com/office/drawing/2010/main">
                 <a:solidFill>
                   <a:srgbClr val="FFFFFF"/>
                 </a:solidFill>
@@ -9086,6 +9099,20 @@
             <a:chOff x="-14288" y="0"/>
             <a:chExt cx="12053888" cy="6858001"/>
           </a:xfrm>
+          <a:gradFill flip="none" rotWithShape="1">
+            <a:gsLst>
+              <a:gs pos="0">
+                <a:schemeClr val="tx2"/>
+              </a:gs>
+              <a:gs pos="100000">
+                <a:schemeClr val="tx2">
+                  <a:lumMod val="50000"/>
+                </a:schemeClr>
+              </a:gs>
+            </a:gsLst>
+            <a:lin ang="5400000" scaled="0"/>
+            <a:tileRect/>
+          </a:gradFill>
         </p:grpSpPr>
         <p:grpSp>
           <p:nvGrpSpPr>
@@ -9100,21 +9127,7 @@
               <a:chOff x="-14288" y="0"/>
               <a:chExt cx="1220788" cy="6858001"/>
             </a:xfrm>
-            <a:gradFill flip="none" rotWithShape="1">
-              <a:gsLst>
-                <a:gs pos="0">
-                  <a:schemeClr val="tx2"/>
-                </a:gs>
-                <a:gs pos="100000">
-                  <a:schemeClr val="bg2">
-                    <a:lumMod val="60000"/>
-                    <a:lumOff val="40000"/>
-                  </a:schemeClr>
-                </a:gs>
-              </a:gsLst>
-              <a:lin ang="5400000" scaled="0"/>
-              <a:tileRect/>
-            </a:gradFill>
+            <a:grpFill/>
           </p:grpSpPr>
           <p:sp>
             <p:nvSpPr>
@@ -9138,7 +9151,7 @@
               </a:ln>
               <a:extLst>
                 <a:ext uri="{91240B29-F687-4f45-9708-019B960494DF}">
-                  <a14:hiddenLine xmlns:a14="http://schemas.microsoft.com/office/drawing/2010/main" xmlns="" w="9525">
+                  <a14:hiddenLine xmlns="" xmlns:a14="http://schemas.microsoft.com/office/drawing/2010/main" w="9525">
                     <a:solidFill>
                       <a:srgbClr val="000000"/>
                     </a:solidFill>
@@ -9228,7 +9241,7 @@
               </a:ln>
               <a:extLst>
                 <a:ext uri="{91240B29-F687-4f45-9708-019B960494DF}">
-                  <a14:hiddenLine xmlns:a14="http://schemas.microsoft.com/office/drawing/2010/main" xmlns="" w="9525">
+                  <a14:hiddenLine xmlns="" xmlns:a14="http://schemas.microsoft.com/office/drawing/2010/main" w="9525">
                     <a:solidFill>
                       <a:srgbClr val="000000"/>
                     </a:solidFill>
@@ -9318,7 +9331,7 @@
               </a:ln>
               <a:extLst>
                 <a:ext uri="{91240B29-F687-4f45-9708-019B960494DF}">
-                  <a14:hiddenLine xmlns:a14="http://schemas.microsoft.com/office/drawing/2010/main" xmlns="" w="9525">
+                  <a14:hiddenLine xmlns="" xmlns:a14="http://schemas.microsoft.com/office/drawing/2010/main" w="9525">
                     <a:solidFill>
                       <a:srgbClr val="000000"/>
                     </a:solidFill>
@@ -9380,7 +9393,7 @@
               </a:ln>
               <a:extLst>
                 <a:ext uri="{91240B29-F687-4f45-9708-019B960494DF}">
-                  <a14:hiddenLine xmlns:a14="http://schemas.microsoft.com/office/drawing/2010/main" xmlns="" w="9525">
+                  <a14:hiddenLine xmlns="" xmlns:a14="http://schemas.microsoft.com/office/drawing/2010/main" w="9525">
                     <a:solidFill>
                       <a:srgbClr val="000000"/>
                     </a:solidFill>
@@ -9470,7 +9483,7 @@
               </a:ln>
               <a:extLst>
                 <a:ext uri="{91240B29-F687-4f45-9708-019B960494DF}">
-                  <a14:hiddenLine xmlns:a14="http://schemas.microsoft.com/office/drawing/2010/main" xmlns="" w="9525">
+                  <a14:hiddenLine xmlns="" xmlns:a14="http://schemas.microsoft.com/office/drawing/2010/main" w="9525">
                     <a:solidFill>
                       <a:srgbClr val="000000"/>
                     </a:solidFill>
@@ -9532,7 +9545,7 @@
               </a:ln>
               <a:extLst>
                 <a:ext uri="{91240B29-F687-4f45-9708-019B960494DF}">
-                  <a14:hiddenLine xmlns:a14="http://schemas.microsoft.com/office/drawing/2010/main" xmlns="" w="9525">
+                  <a14:hiddenLine xmlns="" xmlns:a14="http://schemas.microsoft.com/office/drawing/2010/main" w="9525">
                     <a:solidFill>
                       <a:srgbClr val="000000"/>
                     </a:solidFill>
@@ -9594,7 +9607,7 @@
               </a:ln>
               <a:extLst>
                 <a:ext uri="{91240B29-F687-4f45-9708-019B960494DF}">
-                  <a14:hiddenLine xmlns:a14="http://schemas.microsoft.com/office/drawing/2010/main" xmlns="" w="9525">
+                  <a14:hiddenLine xmlns="" xmlns:a14="http://schemas.microsoft.com/office/drawing/2010/main" w="9525">
                     <a:solidFill>
                       <a:srgbClr val="000000"/>
                     </a:solidFill>
@@ -9684,7 +9697,7 @@
               </a:ln>
               <a:extLst>
                 <a:ext uri="{91240B29-F687-4f45-9708-019B960494DF}">
-                  <a14:hiddenLine xmlns:a14="http://schemas.microsoft.com/office/drawing/2010/main" xmlns="" w="9525">
+                  <a14:hiddenLine xmlns="" xmlns:a14="http://schemas.microsoft.com/office/drawing/2010/main" w="9525">
                     <a:solidFill>
                       <a:srgbClr val="000000"/>
                     </a:solidFill>
@@ -9774,7 +9787,7 @@
               </a:ln>
               <a:extLst>
                 <a:ext uri="{91240B29-F687-4f45-9708-019B960494DF}">
-                  <a14:hiddenLine xmlns:a14="http://schemas.microsoft.com/office/drawing/2010/main" xmlns="" w="9525">
+                  <a14:hiddenLine xmlns="" xmlns:a14="http://schemas.microsoft.com/office/drawing/2010/main" w="9525">
                     <a:solidFill>
                       <a:srgbClr val="000000"/>
                     </a:solidFill>
@@ -9836,7 +9849,7 @@
               </a:ln>
               <a:extLst>
                 <a:ext uri="{91240B29-F687-4f45-9708-019B960494DF}">
-                  <a14:hiddenLine xmlns:a14="http://schemas.microsoft.com/office/drawing/2010/main" xmlns="" w="9525">
+                  <a14:hiddenLine xmlns="" xmlns:a14="http://schemas.microsoft.com/office/drawing/2010/main" w="9525">
                     <a:solidFill>
                       <a:srgbClr val="000000"/>
                     </a:solidFill>
@@ -9946,7 +9959,7 @@
               </a:ln>
               <a:extLst>
                 <a:ext uri="{91240B29-F687-4f45-9708-019B960494DF}">
-                  <a14:hiddenLine xmlns:a14="http://schemas.microsoft.com/office/drawing/2010/main" xmlns="" w="9525">
+                  <a14:hiddenLine xmlns="" xmlns:a14="http://schemas.microsoft.com/office/drawing/2010/main" w="9525">
                     <a:solidFill>
                       <a:srgbClr val="000000"/>
                     </a:solidFill>
@@ -10030,7 +10043,7 @@
               </a:ln>
               <a:extLst>
                 <a:ext uri="{91240B29-F687-4f45-9708-019B960494DF}">
-                  <a14:hiddenLine xmlns:a14="http://schemas.microsoft.com/office/drawing/2010/main" xmlns="" w="9525">
+                  <a14:hiddenLine xmlns="" xmlns:a14="http://schemas.microsoft.com/office/drawing/2010/main" w="9525">
                     <a:solidFill>
                       <a:srgbClr val="000000"/>
                     </a:solidFill>
@@ -10092,7 +10105,7 @@
               </a:ln>
               <a:extLst>
                 <a:ext uri="{91240B29-F687-4f45-9708-019B960494DF}">
-                  <a14:hiddenLine xmlns:a14="http://schemas.microsoft.com/office/drawing/2010/main" xmlns="" w="9525">
+                  <a14:hiddenLine xmlns="" xmlns:a14="http://schemas.microsoft.com/office/drawing/2010/main" w="9525">
                     <a:solidFill>
                       <a:srgbClr val="000000"/>
                     </a:solidFill>
@@ -10154,7 +10167,7 @@
               </a:ln>
               <a:extLst>
                 <a:ext uri="{91240B29-F687-4f45-9708-019B960494DF}">
-                  <a14:hiddenLine xmlns:a14="http://schemas.microsoft.com/office/drawing/2010/main" xmlns="" w="9525">
+                  <a14:hiddenLine xmlns="" xmlns:a14="http://schemas.microsoft.com/office/drawing/2010/main" w="9525">
                     <a:solidFill>
                       <a:srgbClr val="000000"/>
                     </a:solidFill>
@@ -10244,7 +10257,7 @@
               </a:ln>
               <a:extLst>
                 <a:ext uri="{91240B29-F687-4f45-9708-019B960494DF}">
-                  <a14:hiddenLine xmlns:a14="http://schemas.microsoft.com/office/drawing/2010/main" xmlns="" w="9525">
+                  <a14:hiddenLine xmlns="" xmlns:a14="http://schemas.microsoft.com/office/drawing/2010/main" w="9525">
                     <a:solidFill>
                       <a:srgbClr val="000000"/>
                     </a:solidFill>
@@ -10278,7 +10291,7 @@
               </a:ln>
               <a:extLst>
                 <a:ext uri="{91240B29-F687-4f45-9708-019B960494DF}">
-                  <a14:hiddenLine xmlns:a14="http://schemas.microsoft.com/office/drawing/2010/main" xmlns="" w="9525">
+                  <a14:hiddenLine xmlns="" xmlns:a14="http://schemas.microsoft.com/office/drawing/2010/main" w="9525">
                     <a:solidFill>
                       <a:srgbClr val="000000"/>
                     </a:solidFill>
@@ -10343,7 +10356,7 @@
               </a:ln>
               <a:extLst>
                 <a:ext uri="{91240B29-F687-4f45-9708-019B960494DF}">
-                  <a14:hiddenLine xmlns:a14="http://schemas.microsoft.com/office/drawing/2010/main" xmlns="" w="9525">
+                  <a14:hiddenLine xmlns="" xmlns:a14="http://schemas.microsoft.com/office/drawing/2010/main" w="9525">
                     <a:solidFill>
                       <a:srgbClr val="000000"/>
                     </a:solidFill>
@@ -10433,7 +10446,7 @@
               </a:ln>
               <a:extLst>
                 <a:ext uri="{91240B29-F687-4f45-9708-019B960494DF}">
-                  <a14:hiddenLine xmlns:a14="http://schemas.microsoft.com/office/drawing/2010/main" xmlns="" w="9525">
+                  <a14:hiddenLine xmlns="" xmlns:a14="http://schemas.microsoft.com/office/drawing/2010/main" w="9525">
                     <a:solidFill>
                       <a:srgbClr val="000000"/>
                     </a:solidFill>
@@ -10495,7 +10508,7 @@
               </a:ln>
               <a:extLst>
                 <a:ext uri="{91240B29-F687-4f45-9708-019B960494DF}">
-                  <a14:hiddenLine xmlns:a14="http://schemas.microsoft.com/office/drawing/2010/main" xmlns="" w="9525">
+                  <a14:hiddenLine xmlns="" xmlns:a14="http://schemas.microsoft.com/office/drawing/2010/main" w="9525">
                     <a:solidFill>
                       <a:srgbClr val="000000"/>
                     </a:solidFill>
@@ -10585,7 +10598,7 @@
               </a:ln>
               <a:extLst>
                 <a:ext uri="{91240B29-F687-4f45-9708-019B960494DF}">
-                  <a14:hiddenLine xmlns:a14="http://schemas.microsoft.com/office/drawing/2010/main" xmlns="" w="9525">
+                  <a14:hiddenLine xmlns="" xmlns:a14="http://schemas.microsoft.com/office/drawing/2010/main" w="9525">
                     <a:solidFill>
                       <a:srgbClr val="000000"/>
                     </a:solidFill>
@@ -10650,7 +10663,7 @@
               </a:ln>
               <a:extLst>
                 <a:ext uri="{91240B29-F687-4f45-9708-019B960494DF}">
-                  <a14:hiddenLine xmlns:a14="http://schemas.microsoft.com/office/drawing/2010/main" xmlns="" w="9525">
+                  <a14:hiddenLine xmlns="" xmlns:a14="http://schemas.microsoft.com/office/drawing/2010/main" w="9525">
                     <a:solidFill>
                       <a:srgbClr val="000000"/>
                     </a:solidFill>
@@ -10712,7 +10725,7 @@
               </a:ln>
               <a:extLst>
                 <a:ext uri="{91240B29-F687-4f45-9708-019B960494DF}">
-                  <a14:hiddenLine xmlns:a14="http://schemas.microsoft.com/office/drawing/2010/main" xmlns="" w="9525">
+                  <a14:hiddenLine xmlns="" xmlns:a14="http://schemas.microsoft.com/office/drawing/2010/main" w="9525">
                     <a:solidFill>
                       <a:srgbClr val="000000"/>
                     </a:solidFill>
@@ -10802,7 +10815,7 @@
               </a:ln>
               <a:extLst>
                 <a:ext uri="{91240B29-F687-4f45-9708-019B960494DF}">
-                  <a14:hiddenLine xmlns:a14="http://schemas.microsoft.com/office/drawing/2010/main" xmlns="" w="9525">
+                  <a14:hiddenLine xmlns="" xmlns:a14="http://schemas.microsoft.com/office/drawing/2010/main" w="9525">
                     <a:solidFill>
                       <a:srgbClr val="000000"/>
                     </a:solidFill>
@@ -10892,7 +10905,7 @@
               </a:ln>
               <a:extLst>
                 <a:ext uri="{91240B29-F687-4f45-9708-019B960494DF}">
-                  <a14:hiddenLine xmlns:a14="http://schemas.microsoft.com/office/drawing/2010/main" xmlns="" w="9525">
+                  <a14:hiddenLine xmlns="" xmlns:a14="http://schemas.microsoft.com/office/drawing/2010/main" w="9525">
                     <a:solidFill>
                       <a:srgbClr val="000000"/>
                     </a:solidFill>
@@ -10957,7 +10970,7 @@
               </a:ln>
               <a:extLst>
                 <a:ext uri="{91240B29-F687-4f45-9708-019B960494DF}">
-                  <a14:hiddenLine xmlns:a14="http://schemas.microsoft.com/office/drawing/2010/main" xmlns="" w="9525">
+                  <a14:hiddenLine xmlns="" xmlns:a14="http://schemas.microsoft.com/office/drawing/2010/main" w="9525">
                     <a:solidFill>
                       <a:srgbClr val="000000"/>
                     </a:solidFill>
@@ -11077,7 +11090,7 @@
               </a:ln>
               <a:extLst>
                 <a:ext uri="{91240B29-F687-4f45-9708-019B960494DF}">
-                  <a14:hiddenLine xmlns:a14="http://schemas.microsoft.com/office/drawing/2010/main" xmlns="" w="9525">
+                  <a14:hiddenLine xmlns="" xmlns:a14="http://schemas.microsoft.com/office/drawing/2010/main" w="9525">
                     <a:solidFill>
                       <a:srgbClr val="000000"/>
                     </a:solidFill>
@@ -11103,24 +11116,7 @@
               <a:chOff x="11364912" y="0"/>
               <a:chExt cx="674688" cy="6848476"/>
             </a:xfrm>
-            <a:gradFill flip="none" rotWithShape="1">
-              <a:gsLst>
-                <a:gs pos="0">
-                  <a:schemeClr val="tx2">
-                    <a:alpha val="80000"/>
-                  </a:schemeClr>
-                </a:gs>
-                <a:gs pos="100000">
-                  <a:schemeClr val="bg2">
-                    <a:lumMod val="60000"/>
-                    <a:lumOff val="40000"/>
-                    <a:alpha val="60000"/>
-                  </a:schemeClr>
-                </a:gs>
-              </a:gsLst>
-              <a:lin ang="5400000" scaled="0"/>
-              <a:tileRect/>
-            </a:gradFill>
+            <a:grpFill/>
           </p:grpSpPr>
           <p:sp>
             <p:nvSpPr>
@@ -11175,7 +11171,7 @@
               </a:ln>
               <a:extLst>
                 <a:ext uri="{91240B29-F687-4f45-9708-019B960494DF}">
-                  <a14:hiddenLine xmlns:a14="http://schemas.microsoft.com/office/drawing/2010/main" xmlns="" w="9525">
+                  <a14:hiddenLine xmlns="" xmlns:a14="http://schemas.microsoft.com/office/drawing/2010/main" w="9525">
                     <a:solidFill>
                       <a:srgbClr val="000000"/>
                     </a:solidFill>
@@ -11290,7 +11286,7 @@
               </a:ln>
               <a:extLst>
                 <a:ext uri="{91240B29-F687-4f45-9708-019B960494DF}">
-                  <a14:hiddenLine xmlns:a14="http://schemas.microsoft.com/office/drawing/2010/main" xmlns="" w="9525">
+                  <a14:hiddenLine xmlns="" xmlns:a14="http://schemas.microsoft.com/office/drawing/2010/main" w="9525">
                     <a:solidFill>
                       <a:srgbClr val="000000"/>
                     </a:solidFill>
@@ -11380,7 +11376,7 @@
               </a:ln>
               <a:extLst>
                 <a:ext uri="{91240B29-F687-4f45-9708-019B960494DF}">
-                  <a14:hiddenLine xmlns:a14="http://schemas.microsoft.com/office/drawing/2010/main" xmlns="" w="9525">
+                  <a14:hiddenLine xmlns="" xmlns:a14="http://schemas.microsoft.com/office/drawing/2010/main" w="9525">
                     <a:solidFill>
                       <a:srgbClr val="000000"/>
                     </a:solidFill>
@@ -11445,7 +11441,7 @@
               </a:ln>
               <a:extLst>
                 <a:ext uri="{91240B29-F687-4f45-9708-019B960494DF}">
-                  <a14:hiddenLine xmlns:a14="http://schemas.microsoft.com/office/drawing/2010/main" xmlns="" w="9525">
+                  <a14:hiddenLine xmlns="" xmlns:a14="http://schemas.microsoft.com/office/drawing/2010/main" w="9525">
                     <a:solidFill>
                       <a:srgbClr val="000000"/>
                     </a:solidFill>
@@ -11535,7 +11531,7 @@
               </a:ln>
               <a:extLst>
                 <a:ext uri="{91240B29-F687-4f45-9708-019B960494DF}">
-                  <a14:hiddenLine xmlns:a14="http://schemas.microsoft.com/office/drawing/2010/main" xmlns="" w="9525">
+                  <a14:hiddenLine xmlns="" xmlns:a14="http://schemas.microsoft.com/office/drawing/2010/main" w="9525">
                     <a:solidFill>
                       <a:srgbClr val="000000"/>
                     </a:solidFill>
@@ -11603,7 +11599,7 @@
               </a:ln>
               <a:extLst>
                 <a:ext uri="{91240B29-F687-4f45-9708-019B960494DF}">
-                  <a14:hiddenLine xmlns:a14="http://schemas.microsoft.com/office/drawing/2010/main" xmlns="" w="9525">
+                  <a14:hiddenLine xmlns="" xmlns:a14="http://schemas.microsoft.com/office/drawing/2010/main" w="9525">
                     <a:solidFill>
                       <a:srgbClr val="000000"/>
                     </a:solidFill>
@@ -11693,7 +11689,7 @@
               </a:ln>
               <a:extLst>
                 <a:ext uri="{91240B29-F687-4f45-9708-019B960494DF}">
-                  <a14:hiddenLine xmlns:a14="http://schemas.microsoft.com/office/drawing/2010/main" xmlns="" w="9525">
+                  <a14:hiddenLine xmlns="" xmlns:a14="http://schemas.microsoft.com/office/drawing/2010/main" w="9525">
                     <a:solidFill>
                       <a:srgbClr val="000000"/>
                     </a:solidFill>
@@ -11761,7 +11757,7 @@
               </a:ln>
               <a:extLst>
                 <a:ext uri="{91240B29-F687-4f45-9708-019B960494DF}">
-                  <a14:hiddenLine xmlns:a14="http://schemas.microsoft.com/office/drawing/2010/main" xmlns="" w="9525">
+                  <a14:hiddenLine xmlns="" xmlns:a14="http://schemas.microsoft.com/office/drawing/2010/main" w="9525">
                     <a:solidFill>
                       <a:srgbClr val="000000"/>
                     </a:solidFill>
@@ -11851,7 +11847,7 @@
               </a:ln>
               <a:extLst>
                 <a:ext uri="{91240B29-F687-4f45-9708-019B960494DF}">
-                  <a14:hiddenLine xmlns:a14="http://schemas.microsoft.com/office/drawing/2010/main" xmlns="" w="9525">
+                  <a14:hiddenLine xmlns="" xmlns:a14="http://schemas.microsoft.com/office/drawing/2010/main" w="9525">
                     <a:solidFill>
                       <a:srgbClr val="000000"/>
                     </a:solidFill>
@@ -11885,7 +11881,7 @@
               </a:ln>
               <a:extLst>
                 <a:ext uri="{91240B29-F687-4f45-9708-019B960494DF}">
-                  <a14:hiddenLine xmlns:a14="http://schemas.microsoft.com/office/drawing/2010/main" xmlns="" w="9525">
+                  <a14:hiddenLine xmlns="" xmlns:a14="http://schemas.microsoft.com/office/drawing/2010/main" w="9525">
                     <a:solidFill>
                       <a:srgbClr val="000000"/>
                     </a:solidFill>
@@ -12112,29 +12108,29 @@
     </p:spTree>
     <p:extLst>
       <p:ext uri="{BB962C8B-B14F-4D97-AF65-F5344CB8AC3E}">
-        <p14:creationId xmlns:p14="http://schemas.microsoft.com/office/powerpoint/2010/main" val="2896341359"/>
+        <p14:creationId xmlns:p14="http://schemas.microsoft.com/office/powerpoint/2010/main" val="3454501178"/>
       </p:ext>
     </p:extLst>
   </p:cSld>
   <p:clrMap bg1="dk1" tx1="lt1" bg2="dk2" tx2="lt2" accent1="accent1" accent2="accent2" accent3="accent3" accent4="accent4" accent5="accent5" accent6="accent6" hlink="hlink" folHlink="folHlink"/>
   <p:sldLayoutIdLst>
-    <p:sldLayoutId id="2147483745" r:id="rId1"/>
-    <p:sldLayoutId id="2147483746" r:id="rId2"/>
-    <p:sldLayoutId id="2147483747" r:id="rId3"/>
-    <p:sldLayoutId id="2147483748" r:id="rId4"/>
-    <p:sldLayoutId id="2147483749" r:id="rId5"/>
-    <p:sldLayoutId id="2147483750" r:id="rId6"/>
-    <p:sldLayoutId id="2147483751" r:id="rId7"/>
-    <p:sldLayoutId id="2147483752" r:id="rId8"/>
-    <p:sldLayoutId id="2147483753" r:id="rId9"/>
-    <p:sldLayoutId id="2147483754" r:id="rId10"/>
-    <p:sldLayoutId id="2147483755" r:id="rId11"/>
-    <p:sldLayoutId id="2147483756" r:id="rId12"/>
-    <p:sldLayoutId id="2147483757" r:id="rId13"/>
-    <p:sldLayoutId id="2147483758" r:id="rId14"/>
-    <p:sldLayoutId id="2147483759" r:id="rId15"/>
-    <p:sldLayoutId id="2147483760" r:id="rId16"/>
-    <p:sldLayoutId id="2147483761" r:id="rId17"/>
+    <p:sldLayoutId id="2147483799" r:id="rId1"/>
+    <p:sldLayoutId id="2147483800" r:id="rId2"/>
+    <p:sldLayoutId id="2147483801" r:id="rId3"/>
+    <p:sldLayoutId id="2147483802" r:id="rId4"/>
+    <p:sldLayoutId id="2147483803" r:id="rId5"/>
+    <p:sldLayoutId id="2147483804" r:id="rId6"/>
+    <p:sldLayoutId id="2147483805" r:id="rId7"/>
+    <p:sldLayoutId id="2147483806" r:id="rId8"/>
+    <p:sldLayoutId id="2147483807" r:id="rId9"/>
+    <p:sldLayoutId id="2147483808" r:id="rId10"/>
+    <p:sldLayoutId id="2147483809" r:id="rId11"/>
+    <p:sldLayoutId id="2147483810" r:id="rId12"/>
+    <p:sldLayoutId id="2147483811" r:id="rId13"/>
+    <p:sldLayoutId id="2147483812" r:id="rId14"/>
+    <p:sldLayoutId id="2147483813" r:id="rId15"/>
+    <p:sldLayoutId id="2147483814" r:id="rId16"/>
+    <p:sldLayoutId id="2147483815" r:id="rId17"/>
   </p:sldLayoutIdLst>
   <p:txStyles>
     <p:titleStyle>
@@ -12831,7 +12827,7 @@
             <a:pPr lvl="1"/>
             <a:r>
               <a:rPr lang="en-US" dirty="0"/>
-              <a:t>Issue with numerical data =&gt; Regex to keep only values (ex. Owners: 4).</a:t>
+              <a:t>Issue with numerical data =&gt; Regex to keep only values (ex. ‘Owners-2-Carfax’).</a:t>
             </a:r>
           </a:p>
           <a:p>
@@ -12934,7 +12930,7 @@
         </p:blipFill>
         <p:spPr>
           <a:xfrm>
-            <a:off x="838200" y="1690688"/>
+            <a:off x="694825" y="1811003"/>
             <a:ext cx="5232400" cy="800100"/>
           </a:xfrm>
           <a:prstGeom prst="rect">
@@ -13039,7 +13035,7 @@
           <a:lstStyle/>
           <a:p>
             <a:r>
-              <a:rPr lang="en-US" sz="3600"/>
+              <a:rPr lang="en-US" sz="3600" dirty="0"/>
               <a:t>Heatmap</a:t>
             </a:r>
           </a:p>
@@ -13063,75 +13059,65 @@
         </p:nvSpPr>
         <p:spPr>
           <a:xfrm>
-            <a:off x="643469" y="1782981"/>
-            <a:ext cx="4008384" cy="4393982"/>
+            <a:off x="643469" y="1343025"/>
+            <a:ext cx="4008384" cy="4833938"/>
           </a:xfrm>
         </p:spPr>
         <p:txBody>
           <a:bodyPr>
-            <a:normAutofit fontScale="92500" lnSpcReduction="10000"/>
+            <a:normAutofit/>
           </a:bodyPr>
           <a:lstStyle/>
           <a:p>
             <a:r>
-              <a:rPr lang="en-US" sz="2000"/>
+              <a:rPr lang="en-US" sz="2000" dirty="0"/>
               <a:t>Strong correlation:</a:t>
             </a:r>
           </a:p>
           <a:p>
             <a:pPr lvl="1"/>
             <a:r>
-              <a:rPr lang="en-US" sz="2000"/>
+              <a:rPr lang="en-US" sz="2000" dirty="0"/>
               <a:t>Year : Mileage = -0.74</a:t>
             </a:r>
           </a:p>
           <a:p>
             <a:pPr lvl="1"/>
             <a:r>
-              <a:rPr lang="en-US" sz="2000"/>
+              <a:rPr lang="en-US" sz="2000" dirty="0"/>
               <a:t>Mileage / (2021– Year)</a:t>
             </a:r>
           </a:p>
           <a:p>
+            <a:pPr marL="457200" lvl="1" indent="0">
+              <a:buNone/>
+            </a:pPr>
+            <a:endParaRPr lang="en-US" sz="2000" dirty="0"/>
+          </a:p>
+          <a:p>
+            <a:r>
+              <a:rPr lang="en-US" sz="2000" dirty="0"/>
+              <a:t>Moderately correlation:</a:t>
+            </a:r>
+          </a:p>
+          <a:p>
             <a:pPr lvl="1"/>
-            <a:endParaRPr lang="en-US" sz="2000"/>
+            <a:r>
+              <a:rPr lang="en-US" sz="2000" dirty="0"/>
+              <a:t>Year : Owners = -0.51</a:t>
+            </a:r>
           </a:p>
           <a:p>
             <a:pPr lvl="1"/>
-            <a:endParaRPr lang="en-US" sz="2000"/>
+            <a:r>
+              <a:rPr lang="en-US" sz="2000" dirty="0"/>
+              <a:t>Year : Services = 0.55</a:t>
+            </a:r>
           </a:p>
           <a:p>
             <a:pPr lvl="1"/>
-            <a:endParaRPr lang="en-US" sz="2000"/>
-          </a:p>
-          <a:p>
-            <a:pPr lvl="1"/>
-            <a:endParaRPr lang="en-US" sz="2000"/>
-          </a:p>
-          <a:p>
-            <a:r>
-              <a:rPr lang="en-US" sz="2000"/>
-              <a:t>Moderately correlation:</a:t>
-            </a:r>
-          </a:p>
-          <a:p>
-            <a:pPr lvl="1"/>
-            <a:r>
-              <a:rPr lang="en-US" sz="2000"/>
-              <a:t>Year : Owners = -0.51</a:t>
-            </a:r>
-          </a:p>
-          <a:p>
-            <a:pPr lvl="1"/>
-            <a:r>
-              <a:rPr lang="en-US" sz="2000"/>
-              <a:t>Year : Services = 0.55</a:t>
-            </a:r>
-          </a:p>
-          <a:p>
-            <a:pPr lvl="1"/>
-            <a:r>
-              <a:rPr lang="en-US" sz="2000"/>
+            <a:r>
+              <a:rPr lang="en-US" sz="2000" dirty="0"/>
               <a:t>Mileage : Services = 0.58</a:t>
             </a:r>
           </a:p>
@@ -13159,20 +13145,59 @@
         </p:blipFill>
         <p:spPr>
           <a:xfrm>
-            <a:off x="6314265" y="717453"/>
-            <a:ext cx="5602401" cy="5504358"/>
+            <a:off x="4942666" y="128588"/>
+            <a:ext cx="6444472" cy="5402969"/>
           </a:xfrm>
           <a:prstGeom prst="rect">
             <a:avLst/>
           </a:prstGeom>
         </p:spPr>
       </p:pic>
+      <p:cxnSp>
+        <p:nvCxnSpPr>
+          <p:cNvPr id="9" name="Straight Arrow Connector 8">
+            <a:extLst>
+              <a:ext uri="{FF2B5EF4-FFF2-40B4-BE49-F238E27FC236}">
+                <a16:creationId xmlns:a16="http://schemas.microsoft.com/office/drawing/2014/main" id="{E31553BD-C7AB-DD4E-B7D2-14F3EF77AD3D}"/>
+              </a:ext>
+            </a:extLst>
+          </p:cNvPr>
+          <p:cNvCxnSpPr/>
+          <p:nvPr/>
+        </p:nvCxnSpPr>
+        <p:spPr>
+          <a:xfrm>
+            <a:off x="5272088" y="6006753"/>
+            <a:ext cx="1271587" cy="0"/>
+          </a:xfrm>
+          <a:prstGeom prst="straightConnector1">
+            <a:avLst/>
+          </a:prstGeom>
+          <a:ln w="76200">
+            <a:tailEnd type="triangle"/>
+          </a:ln>
+        </p:spPr>
+        <p:style>
+          <a:lnRef idx="1">
+            <a:schemeClr val="accent2"/>
+          </a:lnRef>
+          <a:fillRef idx="0">
+            <a:schemeClr val="accent2"/>
+          </a:fillRef>
+          <a:effectRef idx="0">
+            <a:schemeClr val="accent2"/>
+          </a:effectRef>
+          <a:fontRef idx="minor">
+            <a:schemeClr val="tx1"/>
+          </a:fontRef>
+        </p:style>
+      </p:cxnSp>
       <p:pic>
         <p:nvPicPr>
-          <p:cNvPr id="5" name="Picture 4">
+          <p:cNvPr id="10" name="Picture 9">
             <a:extLst>
               <a:ext uri="{FF2B5EF4-FFF2-40B4-BE49-F238E27FC236}">
-                <a16:creationId xmlns:a16="http://schemas.microsoft.com/office/drawing/2014/main" id="{9C821F7B-5EF0-7A46-B0C0-ED7D99B62A0D}"/>
+                <a16:creationId xmlns:a16="http://schemas.microsoft.com/office/drawing/2014/main" id="{C408D728-41E3-3547-A24A-475EFF6530DE}"/>
               </a:ext>
             </a:extLst>
           </p:cNvPr>
@@ -13189,8 +13214,38 @@
         </p:blipFill>
         <p:spPr>
           <a:xfrm>
-            <a:off x="166108" y="3039724"/>
-            <a:ext cx="6253212" cy="859816"/>
+            <a:off x="0" y="5724703"/>
+            <a:ext cx="5068078" cy="736600"/>
+          </a:xfrm>
+          <a:prstGeom prst="rect">
+            <a:avLst/>
+          </a:prstGeom>
+        </p:spPr>
+      </p:pic>
+      <p:pic>
+        <p:nvPicPr>
+          <p:cNvPr id="11" name="Picture 10">
+            <a:extLst>
+              <a:ext uri="{FF2B5EF4-FFF2-40B4-BE49-F238E27FC236}">
+                <a16:creationId xmlns:a16="http://schemas.microsoft.com/office/drawing/2014/main" id="{9A6F8E10-3AC7-B74D-9E2F-063066B6783B}"/>
+              </a:ext>
+            </a:extLst>
+          </p:cNvPr>
+          <p:cNvPicPr>
+            <a:picLocks noChangeAspect="1"/>
+          </p:cNvPicPr>
+          <p:nvPr/>
+        </p:nvPicPr>
+        <p:blipFill>
+          <a:blip r:embed="rId4"/>
+          <a:stretch>
+            <a:fillRect/>
+          </a:stretch>
+        </p:blipFill>
+        <p:spPr>
+          <a:xfrm>
+            <a:off x="6543675" y="5672666"/>
+            <a:ext cx="5435600" cy="863600"/>
           </a:xfrm>
           <a:prstGeom prst="rect">
             <a:avLst/>
@@ -13703,7 +13758,7 @@
         </p:blipFill>
         <p:spPr>
           <a:xfrm>
-            <a:off x="1277197" y="4494003"/>
+            <a:off x="911580" y="4857606"/>
             <a:ext cx="4625487" cy="566622"/>
           </a:xfrm>
           <a:prstGeom prst="rect">
@@ -13937,7 +13992,7 @@
         </p:blipFill>
         <p:spPr>
           <a:xfrm>
-            <a:off x="384176" y="1628775"/>
+            <a:off x="291798" y="1814699"/>
             <a:ext cx="5194056" cy="951706"/>
           </a:xfrm>
           <a:prstGeom prst="rect">
@@ -13969,34 +14024,34 @@
         <a:sysClr val="window" lastClr="FFFFFF"/>
       </a:lt1>
       <a:dk2>
-        <a:srgbClr val="134770"/>
+        <a:srgbClr val="252C36"/>
       </a:dk2>
       <a:lt2>
-        <a:srgbClr val="82FFFF"/>
+        <a:srgbClr val="7C96A3"/>
       </a:lt2>
       <a:accent1>
-        <a:srgbClr val="9ACD4C"/>
+        <a:srgbClr val="4FD093"/>
       </a:accent1>
       <a:accent2>
-        <a:srgbClr val="FAA93A"/>
+        <a:srgbClr val="54BCDF"/>
       </a:accent2>
       <a:accent3>
-        <a:srgbClr val="D35940"/>
+        <a:srgbClr val="A262D0"/>
       </a:accent3>
       <a:accent4>
-        <a:srgbClr val="B258D3"/>
+        <a:srgbClr val="D7537B"/>
       </a:accent4>
       <a:accent5>
-        <a:srgbClr val="63A0CC"/>
+        <a:srgbClr val="E78045"/>
       </a:accent5>
       <a:accent6>
-        <a:srgbClr val="8AC4A7"/>
+        <a:srgbClr val="84C350"/>
       </a:accent6>
       <a:hlink>
-        <a:srgbClr val="B8FA56"/>
+        <a:srgbClr val="22FFFF"/>
       </a:hlink>
       <a:folHlink>
-        <a:srgbClr val="7AF8CC"/>
+        <a:srgbClr val="9BF3FD"/>
       </a:folHlink>
     </a:clrScheme>
     <a:fontScheme name="Circuit">
@@ -14163,7 +14218,7 @@
                 <a:tint val="98000"/>
                 <a:hueMod val="94000"/>
                 <a:satMod val="148000"/>
-                <a:lumMod val="150000"/>
+                <a:lumMod val="140000"/>
               </a:schemeClr>
             </a:gs>
             <a:gs pos="100000">
@@ -14171,7 +14226,7 @@
                 <a:shade val="92000"/>
                 <a:hueMod val="104000"/>
                 <a:satMod val="140000"/>
-                <a:lumMod val="68000"/>
+                <a:lumMod val="48000"/>
               </a:schemeClr>
             </a:gs>
           </a:gsLst>
@@ -14181,16 +14236,16 @@
           <a:blip xmlns:r="http://schemas.openxmlformats.org/officeDocument/2006/relationships" r:embed="rId1">
             <a:duotone>
               <a:schemeClr val="phClr">
-                <a:shade val="88000"/>
+                <a:shade val="48000"/>
                 <a:hueMod val="106000"/>
                 <a:satMod val="140000"/>
-                <a:lumMod val="54000"/>
+                <a:lumMod val="42000"/>
               </a:schemeClr>
               <a:schemeClr val="phClr">
                 <a:tint val="98000"/>
-                <a:hueMod val="90000"/>
-                <a:satMod val="150000"/>
-                <a:lumMod val="160000"/>
+                <a:hueMod val="92000"/>
+                <a:satMod val="220000"/>
+                <a:lumMod val="90000"/>
               </a:schemeClr>
             </a:duotone>
           </a:blip>
@@ -14203,7 +14258,7 @@
   <a:extraClrSchemeLst/>
   <a:extLst>
     <a:ext uri="{05A4C25C-085E-4340-85A3-A5531E510DB2}">
-      <thm15:themeFamily xmlns:thm15="http://schemas.microsoft.com/office/thememl/2012/main" name="Circuit" id="{0AC2F7E7-15F5-431C-B2A2-456FE929F56C}" vid="{0911B802-464C-4241-8DD9-B60FF88E379F}"/>
+      <thm15:themeFamily xmlns:thm15="http://schemas.microsoft.com/office/thememl/2012/main" name="Circuit" id="{0AC2F7E7-15F5-431C-B2A2-456FE929F56C}" vid="{142578CA-DEC9-49C3-80AF-C113973CC9A9}"/>
     </a:ext>
   </a:extLst>
 </a:theme>
